--- a/Android/Lesson7/Logical_operations.pptx
+++ b/Android/Lesson7/Logical_operations.pptx
@@ -244,7 +244,7 @@
             <a:pPr rtl="0"/>
             <a:fld id="{7F37960E-1F7C-41B1-9A2B-96C83E797D56}" type="datetime1">
               <a:rPr lang="ru-RU" smtClean="0"/>
-              <a:t>28.09.2020</a:t>
+              <a:t>02.10.2020</a:t>
             </a:fld>
             <a:endParaRPr lang="ru-RU" dirty="0"/>
           </a:p>
@@ -425,7 +425,7 @@
             <a:fld id="{DEB9C201-AC4F-4363-955C-CEDBBD62208D}" type="datetime1">
               <a:rPr lang="ru-RU" smtClean="0"/>
               <a:pPr/>
-              <a:t>28.09.2020</a:t>
+              <a:t>02.10.2020</a:t>
             </a:fld>
             <a:endParaRPr lang="ru-RU" dirty="0"/>
           </a:p>
@@ -1505,7 +1505,7 @@
             <a:pPr rtl="0"/>
             <a:fld id="{E86AA575-909A-4E84-A73A-2B96081E700B}" type="datetime1">
               <a:rPr lang="ru-RU" noProof="0" smtClean="0"/>
-              <a:t>28.09.2020</a:t>
+              <a:t>02.10.2020</a:t>
             </a:fld>
             <a:endParaRPr lang="ru-RU" noProof="0"/>
           </a:p>
@@ -2735,7 +2735,7 @@
             <a:pPr rtl="0"/>
             <a:fld id="{05D13EF0-FE8D-43FC-AE79-F77DF127C654}" type="datetime1">
               <a:rPr lang="ru-RU" noProof="0" smtClean="0"/>
-              <a:t>28.09.2020</a:t>
+              <a:t>02.10.2020</a:t>
             </a:fld>
             <a:endParaRPr lang="ru-RU" noProof="0"/>
           </a:p>
@@ -4169,7 +4169,7 @@
             <a:pPr rtl="0"/>
             <a:fld id="{CC9A25B9-C5B6-4321-9761-C8D3F1A3412A}" type="datetime1">
               <a:rPr lang="ru-RU" noProof="0" smtClean="0"/>
-              <a:t>28.09.2020</a:t>
+              <a:t>02.10.2020</a:t>
             </a:fld>
             <a:endParaRPr lang="ru-RU" noProof="0"/>
           </a:p>
@@ -4442,7 +4442,7 @@
             <a:pPr rtl="0"/>
             <a:fld id="{1C7E678F-447A-480B-9B75-01799EA8EF53}" type="datetime1">
               <a:rPr lang="ru-RU" noProof="0" smtClean="0"/>
-              <a:t>28.09.2020</a:t>
+              <a:t>02.10.2020</a:t>
             </a:fld>
             <a:endParaRPr lang="ru-RU" noProof="0"/>
           </a:p>
@@ -4825,7 +4825,7 @@
             <a:pPr rtl="0"/>
             <a:fld id="{872512C1-8A81-4FB1-A62C-2439B34D73D0}" type="datetime1">
               <a:rPr lang="ru-RU" noProof="0" smtClean="0"/>
-              <a:t>28.09.2020</a:t>
+              <a:t>02.10.2020</a:t>
             </a:fld>
             <a:endParaRPr lang="ru-RU" noProof="0"/>
           </a:p>
@@ -4946,7 +4946,7 @@
             <a:pPr rtl="0"/>
             <a:fld id="{81B13030-9547-48AA-9A77-B6FE0D9329CE}" type="datetime1">
               <a:rPr lang="ru-RU" noProof="0" smtClean="0"/>
-              <a:t>28.09.2020</a:t>
+              <a:t>02.10.2020</a:t>
             </a:fld>
             <a:endParaRPr lang="ru-RU" noProof="0"/>
           </a:p>
@@ -5044,7 +5044,7 @@
             <a:pPr rtl="0"/>
             <a:fld id="{CE5B4ED4-48AB-41C5-85BE-36F29B424A13}" type="datetime1">
               <a:rPr lang="ru-RU" noProof="0" smtClean="0"/>
-              <a:t>28.09.2020</a:t>
+              <a:t>02.10.2020</a:t>
             </a:fld>
             <a:endParaRPr lang="ru-RU" noProof="0"/>
           </a:p>
@@ -5252,7 +5252,7 @@
             <a:pPr rtl="0"/>
             <a:fld id="{43235056-05E5-49FA-85B9-C13A880503DF}" type="datetime1">
               <a:rPr lang="ru-RU" noProof="0" smtClean="0"/>
-              <a:t>28.09.2020</a:t>
+              <a:t>02.10.2020</a:t>
             </a:fld>
             <a:endParaRPr lang="ru-RU" noProof="0"/>
           </a:p>
@@ -6317,7 +6317,7 @@
             <a:pPr rtl="0"/>
             <a:fld id="{C0FE25B6-26B9-4795-9DB3-1F92AB5CD076}" type="datetime1">
               <a:rPr lang="ru-RU" noProof="0" smtClean="0"/>
-              <a:t>28.09.2020</a:t>
+              <a:t>02.10.2020</a:t>
             </a:fld>
             <a:endParaRPr lang="ru-RU" noProof="0"/>
           </a:p>
@@ -6955,7 +6955,7 @@
             <a:pPr rtl="0"/>
             <a:fld id="{0035181B-387F-4E5B-AC56-E7811112EC5A}" type="datetime1">
               <a:rPr lang="ru-RU" noProof="0" smtClean="0"/>
-              <a:t>28.09.2020</a:t>
+              <a:t>02.10.2020</a:t>
             </a:fld>
             <a:endParaRPr lang="ru-RU" noProof="0"/>
           </a:p>
@@ -7883,7 +7883,7 @@
             <a:pPr rtl="0"/>
             <a:fld id="{C46630CC-A9AF-4535-8F2C-F1F193CA8C0F}" type="datetime1">
               <a:rPr lang="ru-RU" noProof="0" smtClean="0"/>
-              <a:t>28.09.2020</a:t>
+              <a:t>02.10.2020</a:t>
             </a:fld>
             <a:endParaRPr lang="ru-RU" noProof="0"/>
           </a:p>
@@ -9042,7 +9042,7 @@
             <a:pPr rtl="0"/>
             <a:fld id="{61CC947A-8F53-4F5E-AF9C-EDEF04AD8794}" type="datetime1">
               <a:rPr lang="ru-RU" noProof="0" smtClean="0"/>
-              <a:t>28.09.2020</a:t>
+              <a:t>02.10.2020</a:t>
             </a:fld>
             <a:endParaRPr lang="ru-RU" noProof="0"/>
           </a:p>
@@ -10336,7 +10336,7 @@
             <a:pPr rtl="0"/>
             <a:fld id="{06BC0FA3-29EB-469B-9530-6BBADAB7B2D7}" type="datetime1">
               <a:rPr lang="ru-RU" noProof="0" smtClean="0"/>
-              <a:t>28.09.2020</a:t>
+              <a:t>02.10.2020</a:t>
             </a:fld>
             <a:endParaRPr lang="ru-RU" noProof="0"/>
           </a:p>
@@ -11338,7 +11338,7 @@
             <a:pPr rtl="0"/>
             <a:fld id="{2727B839-FF0E-42D3-9556-B9897ECA7F5F}" type="datetime1">
               <a:rPr lang="ru-RU" noProof="0" smtClean="0"/>
-              <a:t>28.09.2020</a:t>
+              <a:t>02.10.2020</a:t>
             </a:fld>
             <a:endParaRPr lang="ru-RU" noProof="0"/>
           </a:p>
@@ -12258,7 +12258,7 @@
             <a:pPr rtl="0"/>
             <a:fld id="{70933AA0-1871-4D22-9234-42BFA2DFD622}" type="datetime1">
               <a:rPr lang="ru-RU" noProof="0" smtClean="0"/>
-              <a:t>28.09.2020</a:t>
+              <a:t>02.10.2020</a:t>
             </a:fld>
             <a:endParaRPr lang="ru-RU" noProof="0"/>
           </a:p>
@@ -13655,7 +13655,7 @@
             <a:pPr rtl="0"/>
             <a:fld id="{750BD660-1F04-425F-B3B4-F2FF4576CCBF}" type="datetime1">
               <a:rPr lang="ru-RU" noProof="0" smtClean="0"/>
-              <a:t>28.09.2020</a:t>
+              <a:t>02.10.2020</a:t>
             </a:fld>
             <a:endParaRPr lang="ru-RU" noProof="0" dirty="0"/>
           </a:p>
@@ -25530,7 +25530,7 @@
         <p:spPr>
           <a:xfrm>
             <a:off x="485422" y="1927521"/>
-            <a:ext cx="10163360" cy="3693319"/>
+            <a:ext cx="9509334" cy="3693319"/>
           </a:xfrm>
           <a:prstGeom prst="rect">
             <a:avLst/>
@@ -25722,11 +25722,11 @@
             </a:r>
             <a:r>
               <a:rPr lang="en-US" dirty="0" err="1"/>
-              <a:t>textView.getTypeface</a:t>
+              <a:t>Typeface.DEFAULT</a:t>
             </a:r>
             <a:r>
               <a:rPr lang="en-US" dirty="0"/>
-              <a:t>(), </a:t>
+              <a:t>, </a:t>
             </a:r>
             <a:r>
               <a:rPr lang="en-US" dirty="0" err="1"/>
@@ -25769,11 +25769,11 @@
             </a:r>
             <a:r>
               <a:rPr lang="en-US" dirty="0" err="1"/>
-              <a:t>textView.getTypeface</a:t>
+              <a:t>Typeface.DEFAULT</a:t>
             </a:r>
             <a:r>
               <a:rPr lang="en-US" dirty="0"/>
-              <a:t>(), </a:t>
+              <a:t>, </a:t>
             </a:r>
             <a:r>
               <a:rPr lang="en-US" dirty="0" err="1"/>
@@ -25816,11 +25816,11 @@
             </a:r>
             <a:r>
               <a:rPr lang="en-US" dirty="0" err="1"/>
-              <a:t>textView.getTypeface</a:t>
-            </a:r>
-            <a:r>
-              <a:rPr lang="en-US" dirty="0"/>
-              <a:t>(), </a:t>
+              <a:t>Typeface.DEFAULT</a:t>
+            </a:r>
+            <a:r>
+              <a:rPr lang="en-US"/>
+              <a:t>, </a:t>
             </a:r>
             <a:r>
               <a:rPr lang="en-US" dirty="0" err="1"/>
@@ -29832,6 +29832,15 @@
 </file>
 
 <file path=customXml/item1.xml><?xml version="1.0" encoding="utf-8"?>
+<p:properties xmlns:p="http://schemas.microsoft.com/office/2006/metadata/properties" xmlns:xsi="http://www.w3.org/2001/XMLSchema-instance" xmlns:pc="http://schemas.microsoft.com/office/infopath/2007/PartnerControls">
+  <documentManagement>
+    <_ip_UnifiedCompliancePolicyUIAction xmlns="http://schemas.microsoft.com/sharepoint/v3" xsi:nil="true"/>
+    <_ip_UnifiedCompliancePolicyProperties xmlns="http://schemas.microsoft.com/sharepoint/v3" xsi:nil="true"/>
+  </documentManagement>
+</p:properties>
+</file>
+
+<file path=customXml/item2.xml><?xml version="1.0" encoding="utf-8"?>
 <ct:contentTypeSchema xmlns:ct="http://schemas.microsoft.com/office/2006/metadata/contentType" xmlns:ma="http://schemas.microsoft.com/office/2006/metadata/properties/metaAttributes" ct:_="" ma:_="" ma:contentTypeName="Document" ma:contentTypeID="0x010100DEEA25CC0A0AC24199CDC46C25B8B0BC" ma:contentTypeVersion="10" ma:contentTypeDescription="Create a new document." ma:contentTypeScope="" ma:versionID="e3b47856d4cf355c0dacb39e1084d14f">
   <xsd:schema xmlns:xsd="http://www.w3.org/2001/XMLSchema" xmlns:xs="http://www.w3.org/2001/XMLSchema" xmlns:p="http://schemas.microsoft.com/office/2006/metadata/properties" xmlns:ns1="http://schemas.microsoft.com/sharepoint/v3" xmlns:ns2="6dc4bcd6-49db-4c07-9060-8acfc67cef9f" xmlns:ns3="fb0879af-3eba-417a-a55a-ffe6dcd6ca77" targetNamespace="http://schemas.microsoft.com/office/2006/metadata/properties" ma:root="true" ma:fieldsID="a845a615265fdb1f7b12cc65ac20ecbd" ns1:_="" ns2:_="" ns3:_="">
     <xsd:import namespace="http://schemas.microsoft.com/sharepoint/v3"/>
@@ -30039,15 +30048,6 @@
 </ct:contentTypeSchema>
 </file>
 
-<file path=customXml/item2.xml><?xml version="1.0" encoding="utf-8"?>
-<p:properties xmlns:p="http://schemas.microsoft.com/office/2006/metadata/properties" xmlns:xsi="http://www.w3.org/2001/XMLSchema-instance" xmlns:pc="http://schemas.microsoft.com/office/infopath/2007/PartnerControls">
-  <documentManagement>
-    <_ip_UnifiedCompliancePolicyUIAction xmlns="http://schemas.microsoft.com/sharepoint/v3" xsi:nil="true"/>
-    <_ip_UnifiedCompliancePolicyProperties xmlns="http://schemas.microsoft.com/sharepoint/v3" xsi:nil="true"/>
-  </documentManagement>
-</p:properties>
-</file>
-
 <file path=customXml/item3.xml><?xml version="1.0" encoding="utf-8"?>
 <?mso-contentType ?>
 <FormTemplates xmlns="http://schemas.microsoft.com/sharepoint/v3/contenttype/forms">
@@ -30058,6 +30058,24 @@
 </file>
 
 <file path=customXml/itemProps1.xml><?xml version="1.0" encoding="utf-8"?>
+<ds:datastoreItem xmlns:ds="http://schemas.openxmlformats.org/officeDocument/2006/customXml" ds:itemID="{4DA1C8E2-513F-4C9C-99C7-9AE0E7429B06}">
+  <ds:schemaRefs>
+    <ds:schemaRef ds:uri="http://www.w3.org/XML/1998/namespace"/>
+    <ds:schemaRef ds:uri="http://schemas.microsoft.com/office/2006/metadata/properties"/>
+    <ds:schemaRef ds:uri="http://purl.org/dc/terms/"/>
+    <ds:schemaRef ds:uri="6dc4bcd6-49db-4c07-9060-8acfc67cef9f"/>
+    <ds:schemaRef ds:uri="fb0879af-3eba-417a-a55a-ffe6dcd6ca77"/>
+    <ds:schemaRef ds:uri="http://schemas.microsoft.com/office/infopath/2007/PartnerControls"/>
+    <ds:schemaRef ds:uri="http://schemas.openxmlformats.org/package/2006/metadata/core-properties"/>
+    <ds:schemaRef ds:uri="http://purl.org/dc/elements/1.1/"/>
+    <ds:schemaRef ds:uri="http://schemas.microsoft.com/office/2006/documentManagement/types"/>
+    <ds:schemaRef ds:uri="http://schemas.microsoft.com/sharepoint/v3"/>
+    <ds:schemaRef ds:uri="http://purl.org/dc/dcmitype/"/>
+  </ds:schemaRefs>
+</ds:datastoreItem>
+</file>
+
+<file path=customXml/itemProps2.xml><?xml version="1.0" encoding="utf-8"?>
 <ds:datastoreItem xmlns:ds="http://schemas.openxmlformats.org/officeDocument/2006/customXml" ds:itemID="{3BFA294F-07D1-46AB-ABEC-1B0200FE30AB}">
   <ds:schemaRefs>
     <ds:schemaRef ds:uri="http://schemas.microsoft.com/office/2006/metadata/contentType"/>
@@ -30077,24 +30095,6 @@
 </ds:datastoreItem>
 </file>
 
-<file path=customXml/itemProps2.xml><?xml version="1.0" encoding="utf-8"?>
-<ds:datastoreItem xmlns:ds="http://schemas.openxmlformats.org/officeDocument/2006/customXml" ds:itemID="{4DA1C8E2-513F-4C9C-99C7-9AE0E7429B06}">
-  <ds:schemaRefs>
-    <ds:schemaRef ds:uri="http://www.w3.org/XML/1998/namespace"/>
-    <ds:schemaRef ds:uri="http://schemas.microsoft.com/office/2006/metadata/properties"/>
-    <ds:schemaRef ds:uri="http://purl.org/dc/terms/"/>
-    <ds:schemaRef ds:uri="6dc4bcd6-49db-4c07-9060-8acfc67cef9f"/>
-    <ds:schemaRef ds:uri="fb0879af-3eba-417a-a55a-ffe6dcd6ca77"/>
-    <ds:schemaRef ds:uri="http://schemas.microsoft.com/office/infopath/2007/PartnerControls"/>
-    <ds:schemaRef ds:uri="http://schemas.openxmlformats.org/package/2006/metadata/core-properties"/>
-    <ds:schemaRef ds:uri="http://purl.org/dc/elements/1.1/"/>
-    <ds:schemaRef ds:uri="http://schemas.microsoft.com/office/2006/documentManagement/types"/>
-    <ds:schemaRef ds:uri="http://schemas.microsoft.com/sharepoint/v3"/>
-    <ds:schemaRef ds:uri="http://purl.org/dc/dcmitype/"/>
-  </ds:schemaRefs>
-</ds:datastoreItem>
-</file>
-
 <file path=customXml/itemProps3.xml><?xml version="1.0" encoding="utf-8"?>
 <ds:datastoreItem xmlns:ds="http://schemas.openxmlformats.org/officeDocument/2006/customXml" ds:itemID="{883E0B16-80BF-4868-8813-6B17170D724D}">
   <ds:schemaRefs>
